--- a/Project_plan_report/프로젝트_발표_이승훈.pptx
+++ b/Project_plan_report/프로젝트_발표_이승훈.pptx
@@ -6592,7 +6592,7 @@
         <p:spPr>
           <a:xfrm>
             <a:off x="478764" y="5841239"/>
-            <a:ext cx="7518405" cy="584775"/>
+            <a:ext cx="8435323" cy="584775"/>
           </a:xfrm>
           <a:prstGeom prst="rect">
             <a:avLst/>
@@ -6619,7 +6619,7 @@
                   </a:outerShdw>
                 </a:effectLst>
               </a:rPr>
-              <a:t>빛 패턴 파악의 유용성의 고찰은 진행중</a:t>
+              <a:t>빛 패턴 파악의 유용성 및 윤리 고찰은 진행중</a:t>
             </a:r>
             <a:endParaRPr lang="en-US" altLang="ko-KR" sz="3200" dirty="0" smtClean="0">
               <a:ln w="0"/>
@@ -6988,7 +6988,7 @@
         </p:nvSpPr>
         <p:spPr>
           <a:xfrm>
-            <a:off x="2860014" y="3518087"/>
+            <a:off x="1116939" y="3609028"/>
             <a:ext cx="4121812" cy="1800225"/>
           </a:xfrm>
           <a:prstGeom prst="rect">
@@ -7409,6 +7409,278 @@
                 </a:effectLst>
               </a:rPr>
               <a:t>경제성 등의 타당성</a:t>
+            </a:r>
+            <a:endParaRPr lang="en-US" altLang="ko-KR" sz="2400" dirty="0" smtClean="0">
+              <a:ln w="0"/>
+              <a:solidFill>
+                <a:schemeClr val="tx1"/>
+              </a:solidFill>
+              <a:effectLst>
+                <a:outerShdw blurRad="38100" dist="19050" dir="2700000" algn="tl" rotWithShape="0">
+                  <a:schemeClr val="dk1">
+                    <a:alpha val="40000"/>
+                  </a:schemeClr>
+                </a:outerShdw>
+              </a:effectLst>
+            </a:endParaRPr>
+          </a:p>
+        </p:txBody>
+      </p:sp>
+      <p:sp>
+        <p:nvSpPr>
+          <p:cNvPr id="9" name="직사각형 8"/>
+          <p:cNvSpPr/>
+          <p:nvPr/>
+        </p:nvSpPr>
+        <p:spPr>
+          <a:xfrm>
+            <a:off x="5641314" y="3327134"/>
+            <a:ext cx="4121812" cy="1800225"/>
+          </a:xfrm>
+          <a:prstGeom prst="rect">
+            <a:avLst/>
+          </a:prstGeom>
+          <a:ln w="63500"/>
+        </p:spPr>
+        <p:style>
+          <a:lnRef idx="2">
+            <a:schemeClr val="accent6"/>
+          </a:lnRef>
+          <a:fillRef idx="1">
+            <a:schemeClr val="lt1"/>
+          </a:fillRef>
+          <a:effectRef idx="0">
+            <a:schemeClr val="accent6"/>
+          </a:effectRef>
+          <a:fontRef idx="minor">
+            <a:schemeClr val="dk1"/>
+          </a:fontRef>
+        </p:style>
+        <p:txBody>
+          <a:bodyPr rtlCol="0" anchor="ctr"/>
+          <a:lstStyle/>
+          <a:p>
+            <a:pPr algn="ctr"/>
+            <a:r>
+              <a:rPr lang="en-US" altLang="ko-KR" sz="2400" b="1" dirty="0" smtClean="0">
+                <a:ln w="12700">
+                  <a:solidFill>
+                    <a:schemeClr val="accent3">
+                      <a:lumMod val="50000"/>
+                    </a:schemeClr>
+                  </a:solidFill>
+                  <a:prstDash val="solid"/>
+                </a:ln>
+                <a:pattFill prst="narHorz">
+                  <a:fgClr>
+                    <a:schemeClr val="accent3"/>
+                  </a:fgClr>
+                  <a:bgClr>
+                    <a:schemeClr val="accent3">
+                      <a:lumMod val="40000"/>
+                      <a:lumOff val="60000"/>
+                    </a:schemeClr>
+                  </a:bgClr>
+                </a:pattFill>
+                <a:effectLst>
+                  <a:innerShdw blurRad="177800">
+                    <a:schemeClr val="accent3">
+                      <a:lumMod val="50000"/>
+                    </a:schemeClr>
+                  </a:innerShdw>
+                </a:effectLst>
+              </a:rPr>
+              <a:t>4. </a:t>
+            </a:r>
+            <a:r>
+              <a:rPr lang="ko-KR" altLang="en-US" sz="2400" b="1" dirty="0" smtClean="0">
+                <a:ln w="12700">
+                  <a:solidFill>
+                    <a:schemeClr val="accent3">
+                      <a:lumMod val="50000"/>
+                    </a:schemeClr>
+                  </a:solidFill>
+                  <a:prstDash val="solid"/>
+                </a:ln>
+                <a:pattFill prst="narHorz">
+                  <a:fgClr>
+                    <a:schemeClr val="accent3"/>
+                  </a:fgClr>
+                  <a:bgClr>
+                    <a:schemeClr val="accent3">
+                      <a:lumMod val="40000"/>
+                      <a:lumOff val="60000"/>
+                    </a:schemeClr>
+                  </a:bgClr>
+                </a:pattFill>
+                <a:effectLst>
+                  <a:innerShdw blurRad="177800">
+                    <a:schemeClr val="accent3">
+                      <a:lumMod val="50000"/>
+                    </a:schemeClr>
+                  </a:innerShdw>
+                </a:effectLst>
+              </a:rPr>
+              <a:t>윤리 및 프라이버시 문제</a:t>
+            </a:r>
+            <a:endParaRPr lang="en-US" altLang="ko-KR" sz="2400" b="1" dirty="0" smtClean="0">
+              <a:ln w="12700">
+                <a:solidFill>
+                  <a:schemeClr val="accent3">
+                    <a:lumMod val="50000"/>
+                  </a:schemeClr>
+                </a:solidFill>
+                <a:prstDash val="solid"/>
+              </a:ln>
+              <a:pattFill prst="narHorz">
+                <a:fgClr>
+                  <a:schemeClr val="accent3"/>
+                </a:fgClr>
+                <a:bgClr>
+                  <a:schemeClr val="accent3">
+                    <a:lumMod val="40000"/>
+                    <a:lumOff val="60000"/>
+                  </a:schemeClr>
+                </a:bgClr>
+              </a:pattFill>
+              <a:effectLst>
+                <a:innerShdw blurRad="177800">
+                  <a:schemeClr val="accent3">
+                    <a:lumMod val="50000"/>
+                  </a:schemeClr>
+                </a:innerShdw>
+              </a:effectLst>
+            </a:endParaRPr>
+          </a:p>
+          <a:p>
+            <a:pPr algn="ctr"/>
+            <a:r>
+              <a:rPr lang="ko-KR" altLang="en-US" sz="2400" dirty="0" err="1" smtClean="0">
+                <a:ln w="0"/>
+                <a:solidFill>
+                  <a:schemeClr val="tx1"/>
+                </a:solidFill>
+                <a:effectLst>
+                  <a:outerShdw blurRad="38100" dist="19050" dir="2700000" algn="tl" rotWithShape="0">
+                    <a:schemeClr val="dk1">
+                      <a:alpha val="40000"/>
+                    </a:schemeClr>
+                  </a:outerShdw>
+                </a:effectLst>
+              </a:rPr>
+              <a:t>빛패턴</a:t>
+            </a:r>
+            <a:r>
+              <a:rPr lang="ko-KR" altLang="en-US" sz="2400" dirty="0" smtClean="0">
+                <a:ln w="0"/>
+                <a:solidFill>
+                  <a:schemeClr val="tx1"/>
+                </a:solidFill>
+                <a:effectLst>
+                  <a:outerShdw blurRad="38100" dist="19050" dir="2700000" algn="tl" rotWithShape="0">
+                    <a:schemeClr val="dk1">
+                      <a:alpha val="40000"/>
+                    </a:schemeClr>
+                  </a:outerShdw>
+                </a:effectLst>
+              </a:rPr>
+              <a:t> </a:t>
+            </a:r>
+            <a:r>
+              <a:rPr lang="ko-KR" altLang="en-US" sz="2400" dirty="0" err="1" smtClean="0">
+                <a:ln w="0"/>
+                <a:solidFill>
+                  <a:schemeClr val="tx1"/>
+                </a:solidFill>
+                <a:effectLst>
+                  <a:outerShdw blurRad="38100" dist="19050" dir="2700000" algn="tl" rotWithShape="0">
+                    <a:schemeClr val="dk1">
+                      <a:alpha val="40000"/>
+                    </a:schemeClr>
+                  </a:outerShdw>
+                </a:effectLst>
+              </a:rPr>
+              <a:t>감지라고</a:t>
+            </a:r>
+            <a:r>
+              <a:rPr lang="ko-KR" altLang="en-US" sz="2400" dirty="0" smtClean="0">
+                <a:ln w="0"/>
+                <a:solidFill>
+                  <a:schemeClr val="tx1"/>
+                </a:solidFill>
+                <a:effectLst>
+                  <a:outerShdw blurRad="38100" dist="19050" dir="2700000" algn="tl" rotWithShape="0">
+                    <a:schemeClr val="dk1">
+                      <a:alpha val="40000"/>
+                    </a:schemeClr>
+                  </a:outerShdw>
+                </a:effectLst>
+              </a:rPr>
+              <a:t> 하더라도</a:t>
+            </a:r>
+            <a:endParaRPr lang="en-US" altLang="ko-KR" sz="2400" dirty="0" smtClean="0">
+              <a:ln w="0"/>
+              <a:solidFill>
+                <a:schemeClr val="tx1"/>
+              </a:solidFill>
+              <a:effectLst>
+                <a:outerShdw blurRad="38100" dist="19050" dir="2700000" algn="tl" rotWithShape="0">
+                  <a:schemeClr val="dk1">
+                    <a:alpha val="40000"/>
+                  </a:schemeClr>
+                </a:outerShdw>
+              </a:effectLst>
+            </a:endParaRPr>
+          </a:p>
+          <a:p>
+            <a:pPr algn="ctr"/>
+            <a:r>
+              <a:rPr lang="ko-KR" altLang="en-US" sz="2400" dirty="0" err="1" smtClean="0">
+                <a:ln w="0"/>
+                <a:solidFill>
+                  <a:schemeClr val="tx1"/>
+                </a:solidFill>
+                <a:effectLst>
+                  <a:outerShdw blurRad="38100" dist="19050" dir="2700000" algn="tl" rotWithShape="0">
+                    <a:schemeClr val="dk1">
+                      <a:alpha val="40000"/>
+                    </a:schemeClr>
+                  </a:outerShdw>
+                </a:effectLst>
+              </a:rPr>
+              <a:t>인권등</a:t>
+            </a:r>
+            <a:r>
+              <a:rPr lang="ko-KR" altLang="en-US" sz="2400" dirty="0" smtClean="0">
+                <a:ln w="0"/>
+                <a:solidFill>
+                  <a:schemeClr val="tx1"/>
+                </a:solidFill>
+                <a:effectLst>
+                  <a:outerShdw blurRad="38100" dist="19050" dir="2700000" algn="tl" rotWithShape="0">
+                    <a:schemeClr val="dk1">
+                      <a:alpha val="40000"/>
+                    </a:schemeClr>
+                  </a:outerShdw>
+                </a:effectLst>
+              </a:rPr>
+              <a:t> </a:t>
+            </a:r>
+            <a:r>
+              <a:rPr lang="ko-KR" altLang="en-US" sz="2400" dirty="0" err="1" smtClean="0">
+                <a:ln w="0"/>
+                <a:solidFill>
+                  <a:schemeClr val="tx1"/>
+                </a:solidFill>
+                <a:effectLst>
+                  <a:outerShdw blurRad="38100" dist="19050" dir="2700000" algn="tl" rotWithShape="0">
+                    <a:schemeClr val="dk1">
+                      <a:alpha val="40000"/>
+                    </a:schemeClr>
+                  </a:outerShdw>
+                </a:effectLst>
+              </a:rPr>
+              <a:t>문제가능성</a:t>
             </a:r>
             <a:endParaRPr lang="en-US" altLang="ko-KR" sz="2400" dirty="0" smtClean="0">
               <a:ln w="0"/>
@@ -7526,7 +7798,7 @@
         <p:spPr>
           <a:xfrm>
             <a:off x="1357313" y="1643063"/>
-            <a:ext cx="7245701" cy="461665"/>
+            <a:ext cx="7529512" cy="1569660"/>
           </a:xfrm>
           <a:prstGeom prst="rect">
             <a:avLst/>
@@ -7534,10 +7806,26 @@
           <a:noFill/>
         </p:spPr>
         <p:txBody>
-          <a:bodyPr wrap="none" rtlCol="0">
+          <a:bodyPr wrap="square" rtlCol="0">
             <a:spAutoFit/>
           </a:bodyPr>
           <a:lstStyle/>
+          <a:p>
+            <a:r>
+              <a:rPr lang="en-US" altLang="ko-KR" sz="2400" dirty="0" smtClean="0"/>
+              <a:t>p.4 - </a:t>
+            </a:r>
+            <a:r>
+              <a:rPr lang="en-US" altLang="ko-KR" sz="2400" dirty="0" smtClean="0">
+                <a:hlinkClick r:id="rId2"/>
+              </a:rPr>
+              <a:t>https://a292run.tistory.com/m/entry/How-to-Train-YOLOv5-On-a-Custom-Dataset-1</a:t>
+            </a:r>
+            <a:endParaRPr lang="en-US" altLang="ko-KR" sz="2400" dirty="0" smtClean="0"/>
+          </a:p>
+          <a:p>
+            <a:endParaRPr lang="en-US" altLang="ko-KR" sz="2400" dirty="0" smtClean="0"/>
+          </a:p>
           <a:p>
             <a:r>
               <a:rPr lang="en-US" altLang="ko-KR" sz="2400" dirty="0" smtClean="0"/>
@@ -8292,6 +8580,52 @@
           <a:chExt cx="0" cy="0"/>
         </a:xfrm>
       </p:grpSpPr>
+      <p:pic>
+        <p:nvPicPr>
+          <p:cNvPr id="3" name="그림 2"/>
+          <p:cNvPicPr>
+            <a:picLocks noChangeAspect="1"/>
+          </p:cNvPicPr>
+          <p:nvPr/>
+        </p:nvPicPr>
+        <p:blipFill>
+          <a:blip r:embed="rId2">
+            <a:extLst>
+              <a:ext uri="{BEBA8EAE-BF5A-486C-A8C5-ECC9F3942E4B}">
+                <a14:imgProps xmlns:a14="http://schemas.microsoft.com/office/drawing/2010/main">
+                  <a14:imgLayer r:embed="rId3">
+                    <a14:imgEffect>
+                      <a14:sharpenSoften amount="-41000"/>
+                    </a14:imgEffect>
+                    <a14:imgEffect>
+                      <a14:saturation sat="50000"/>
+                    </a14:imgEffect>
+                    <a14:imgEffect>
+                      <a14:brightnessContrast bright="40000" contrast="-40000"/>
+                    </a14:imgEffect>
+                  </a14:imgLayer>
+                </a14:imgProps>
+              </a:ext>
+              <a:ext uri="{28A0092B-C50C-407E-A947-70E740481C1C}">
+                <a14:useLocalDpi xmlns:a14="http://schemas.microsoft.com/office/drawing/2010/main" val="0"/>
+              </a:ext>
+            </a:extLst>
+          </a:blip>
+          <a:stretch>
+            <a:fillRect/>
+          </a:stretch>
+        </p:blipFill>
+        <p:spPr>
+          <a:xfrm>
+            <a:off x="260435" y="233027"/>
+            <a:ext cx="6903606" cy="4196098"/>
+          </a:xfrm>
+          <a:prstGeom prst="rect">
+            <a:avLst/>
+          </a:prstGeom>
+          <a:noFill/>
+        </p:spPr>
+      </p:pic>
       <p:sp>
         <p:nvSpPr>
           <p:cNvPr id="2" name="TextBox 1"/>
@@ -8306,7 +8640,11 @@
           <a:prstGeom prst="rect">
             <a:avLst/>
           </a:prstGeom>
-          <a:noFill/>
+          <a:solidFill>
+            <a:schemeClr val="bg1">
+              <a:alpha val="61000"/>
+            </a:schemeClr>
+          </a:solidFill>
         </p:spPr>
         <p:txBody>
           <a:bodyPr wrap="none" rtlCol="0">
